--- a/ppt/算法讲解112【扩展】线段树专题3-线段树维护更多类型的信息.pptx
+++ b/ppt/算法讲解112【扩展】线段树专题3-线段树维护更多类型的信息.pptx
@@ -4115,9 +4115,6 @@
                 <a:sym typeface="Monaco"/>
               </a:defRPr>
             </a:pPr>
-            <a:r>
-              <a:t>线段树与动态规划结合的内容，后续【扩展】标签下的课程里继续安排</a:t>
-            </a:r>
           </a:p>
           <a:p>
             <a:pPr algn="l" defTabSz="825500">
@@ -4132,7 +4129,7 @@
               </a:defRPr>
             </a:pPr>
             <a:r>
-              <a:t>树套树、可持久化线段树、树链剖分等内容，后续【挺难】标签下的课程里会安排</a:t>
+              <a:t>线段树二分的内容，讲解146的题目2、讲解169的题目1，已经安排讲述</a:t>
             </a:r>
           </a:p>
           <a:p>
@@ -4147,6 +4144,9 @@
                 <a:sym typeface="Monaco"/>
               </a:defRPr>
             </a:pPr>
+            <a:r>
+              <a:t>线段树与动态规划结合的内容，后续【扩展】标签下的课程里继续安排</a:t>
+            </a:r>
           </a:p>
           <a:p>
             <a:pPr algn="l" defTabSz="825500">
@@ -4161,7 +4161,7 @@
               </a:defRPr>
             </a:pPr>
             <a:r>
-              <a:t>这个系列一定是全网有关线段树最好的教学视频，觉得好帮忙推荐给身边的人！</a:t>
+              <a:t>树套树、可持久化线段树、树链剖分等内容，后续【挺难】标签下的课程里会安排</a:t>
             </a:r>
           </a:p>
         </p:txBody>
